--- a/ppt 16-9/1243.青年履行使命.pptx
+++ b/ppt 16-9/1243.青年履行使命.pptx
@@ -129,7 +129,7 @@
           <p:cNvPr id="2" name="标题 1">
             <a:extLst>
               <a:ext uri="{FF2B5EF4-FFF2-40B4-BE49-F238E27FC236}">
-                <a16:creationId xmlns:a16="http://schemas.microsoft.com/office/drawing/2014/main" id="{D415033E-4F5E-ABA8-24C5-D69A369D4A6B}"/>
+                <a16:creationId xmlns:a16="http://schemas.microsoft.com/office/drawing/2014/main" id="{EC4A33BF-04A2-A2E1-53CB-4AC16B1D2EBF}"/>
               </a:ext>
             </a:extLst>
           </p:cNvPr>
@@ -166,7 +166,7 @@
           <p:cNvPr id="3" name="副标题 2">
             <a:extLst>
               <a:ext uri="{FF2B5EF4-FFF2-40B4-BE49-F238E27FC236}">
-                <a16:creationId xmlns:a16="http://schemas.microsoft.com/office/drawing/2014/main" id="{1B157BF9-C98A-E23A-C9A4-A7F7186C7ED0}"/>
+                <a16:creationId xmlns:a16="http://schemas.microsoft.com/office/drawing/2014/main" id="{56E86DD5-EAA7-E94D-4671-982195331660}"/>
               </a:ext>
             </a:extLst>
           </p:cNvPr>
@@ -236,7 +236,7 @@
           <p:cNvPr id="4" name="日期占位符 3">
             <a:extLst>
               <a:ext uri="{FF2B5EF4-FFF2-40B4-BE49-F238E27FC236}">
-                <a16:creationId xmlns:a16="http://schemas.microsoft.com/office/drawing/2014/main" id="{56092C55-B1A8-95B3-66CB-68B011DDB639}"/>
+                <a16:creationId xmlns:a16="http://schemas.microsoft.com/office/drawing/2014/main" id="{255BB294-E803-C35F-DFB0-E44C876FDD54}"/>
               </a:ext>
             </a:extLst>
           </p:cNvPr>
@@ -252,7 +252,7 @@
           <a:bodyPr/>
           <a:lstStyle/>
           <a:p>
-            <a:fld id="{D9ADECD7-5D6C-4CCB-B79B-68D4FFE59B28}" type="datetimeFigureOut">
+            <a:fld id="{E53AA412-D10E-4748-972A-AB5661C57A5C}" type="datetimeFigureOut">
               <a:rPr lang="zh-CN" altLang="en-US" smtClean="0"/>
               <a:t>2024/3/10</a:t>
             </a:fld>
@@ -265,7 +265,7 @@
           <p:cNvPr id="5" name="页脚占位符 4">
             <a:extLst>
               <a:ext uri="{FF2B5EF4-FFF2-40B4-BE49-F238E27FC236}">
-                <a16:creationId xmlns:a16="http://schemas.microsoft.com/office/drawing/2014/main" id="{078E6619-8E51-7981-A454-B059FF069F8D}"/>
+                <a16:creationId xmlns:a16="http://schemas.microsoft.com/office/drawing/2014/main" id="{95B3F72F-C4A1-4AB7-8B6B-323D8BE62114}"/>
               </a:ext>
             </a:extLst>
           </p:cNvPr>
@@ -290,7 +290,7 @@
           <p:cNvPr id="6" name="灯片编号占位符 5">
             <a:extLst>
               <a:ext uri="{FF2B5EF4-FFF2-40B4-BE49-F238E27FC236}">
-                <a16:creationId xmlns:a16="http://schemas.microsoft.com/office/drawing/2014/main" id="{CEB08B97-E950-F15A-0C95-FC934FEE79A1}"/>
+                <a16:creationId xmlns:a16="http://schemas.microsoft.com/office/drawing/2014/main" id="{D227620C-7A97-81AC-D2A8-247A1A5F3C52}"/>
               </a:ext>
             </a:extLst>
           </p:cNvPr>
@@ -306,7 +306,7 @@
           <a:bodyPr/>
           <a:lstStyle/>
           <a:p>
-            <a:fld id="{32E3C2CE-12F6-4D0D-AD29-90071F61F80C}" type="slidenum">
+            <a:fld id="{A80FB0F6-1128-4E69-94C1-83BB41615D06}" type="slidenum">
               <a:rPr lang="zh-CN" altLang="en-US" smtClean="0"/>
               <a:t>‹#›</a:t>
             </a:fld>
@@ -317,7 +317,7 @@
     </p:spTree>
     <p:extLst>
       <p:ext uri="{BB962C8B-B14F-4D97-AF65-F5344CB8AC3E}">
-        <p14:creationId xmlns:p14="http://schemas.microsoft.com/office/powerpoint/2010/main" val="3362036468"/>
+        <p14:creationId xmlns:p14="http://schemas.microsoft.com/office/powerpoint/2010/main" val="3659666565"/>
       </p:ext>
     </p:extLst>
   </p:cSld>
@@ -349,7 +349,7 @@
           <p:cNvPr id="2" name="标题 1">
             <a:extLst>
               <a:ext uri="{FF2B5EF4-FFF2-40B4-BE49-F238E27FC236}">
-                <a16:creationId xmlns:a16="http://schemas.microsoft.com/office/drawing/2014/main" id="{98C32F5C-7AB2-68DE-AD6A-7D07D508B139}"/>
+                <a16:creationId xmlns:a16="http://schemas.microsoft.com/office/drawing/2014/main" id="{F16DBFA8-B07C-3B23-6C0B-B9EDFADB8D1D}"/>
               </a:ext>
             </a:extLst>
           </p:cNvPr>
@@ -377,7 +377,7 @@
           <p:cNvPr id="3" name="竖排文字占位符 2">
             <a:extLst>
               <a:ext uri="{FF2B5EF4-FFF2-40B4-BE49-F238E27FC236}">
-                <a16:creationId xmlns:a16="http://schemas.microsoft.com/office/drawing/2014/main" id="{AC38F14E-3AE8-C2BE-1548-6E316DD9DC36}"/>
+                <a16:creationId xmlns:a16="http://schemas.microsoft.com/office/drawing/2014/main" id="{78AEEC9E-0725-63C0-A404-8B0D486C9EA4}"/>
               </a:ext>
             </a:extLst>
           </p:cNvPr>
@@ -434,7 +434,7 @@
           <p:cNvPr id="4" name="日期占位符 3">
             <a:extLst>
               <a:ext uri="{FF2B5EF4-FFF2-40B4-BE49-F238E27FC236}">
-                <a16:creationId xmlns:a16="http://schemas.microsoft.com/office/drawing/2014/main" id="{3C29446A-E5FA-51B1-AB6E-C0323D7ACB72}"/>
+                <a16:creationId xmlns:a16="http://schemas.microsoft.com/office/drawing/2014/main" id="{1C60BFD0-9B15-0E38-E4E2-8C413289EDAA}"/>
               </a:ext>
             </a:extLst>
           </p:cNvPr>
@@ -450,7 +450,7 @@
           <a:bodyPr/>
           <a:lstStyle/>
           <a:p>
-            <a:fld id="{D9ADECD7-5D6C-4CCB-B79B-68D4FFE59B28}" type="datetimeFigureOut">
+            <a:fld id="{E53AA412-D10E-4748-972A-AB5661C57A5C}" type="datetimeFigureOut">
               <a:rPr lang="zh-CN" altLang="en-US" smtClean="0"/>
               <a:t>2024/3/10</a:t>
             </a:fld>
@@ -463,7 +463,7 @@
           <p:cNvPr id="5" name="页脚占位符 4">
             <a:extLst>
               <a:ext uri="{FF2B5EF4-FFF2-40B4-BE49-F238E27FC236}">
-                <a16:creationId xmlns:a16="http://schemas.microsoft.com/office/drawing/2014/main" id="{FEDB1A02-A742-9C25-FFB8-24AA71966F80}"/>
+                <a16:creationId xmlns:a16="http://schemas.microsoft.com/office/drawing/2014/main" id="{27755760-0D9F-B60B-B521-5C9FC8A27FF8}"/>
               </a:ext>
             </a:extLst>
           </p:cNvPr>
@@ -488,7 +488,7 @@
           <p:cNvPr id="6" name="灯片编号占位符 5">
             <a:extLst>
               <a:ext uri="{FF2B5EF4-FFF2-40B4-BE49-F238E27FC236}">
-                <a16:creationId xmlns:a16="http://schemas.microsoft.com/office/drawing/2014/main" id="{34C006DF-9A66-F87B-EA99-4F6623576CFB}"/>
+                <a16:creationId xmlns:a16="http://schemas.microsoft.com/office/drawing/2014/main" id="{78266EE8-396F-416D-48C8-3F114F637116}"/>
               </a:ext>
             </a:extLst>
           </p:cNvPr>
@@ -504,7 +504,7 @@
           <a:bodyPr/>
           <a:lstStyle/>
           <a:p>
-            <a:fld id="{32E3C2CE-12F6-4D0D-AD29-90071F61F80C}" type="slidenum">
+            <a:fld id="{A80FB0F6-1128-4E69-94C1-83BB41615D06}" type="slidenum">
               <a:rPr lang="zh-CN" altLang="en-US" smtClean="0"/>
               <a:t>‹#›</a:t>
             </a:fld>
@@ -515,7 +515,7 @@
     </p:spTree>
     <p:extLst>
       <p:ext uri="{BB962C8B-B14F-4D97-AF65-F5344CB8AC3E}">
-        <p14:creationId xmlns:p14="http://schemas.microsoft.com/office/powerpoint/2010/main" val="2327777650"/>
+        <p14:creationId xmlns:p14="http://schemas.microsoft.com/office/powerpoint/2010/main" val="1725702517"/>
       </p:ext>
     </p:extLst>
   </p:cSld>
@@ -547,7 +547,7 @@
           <p:cNvPr id="2" name="竖排标题 1">
             <a:extLst>
               <a:ext uri="{FF2B5EF4-FFF2-40B4-BE49-F238E27FC236}">
-                <a16:creationId xmlns:a16="http://schemas.microsoft.com/office/drawing/2014/main" id="{A22DC643-6357-AC06-3B48-73492B219B80}"/>
+                <a16:creationId xmlns:a16="http://schemas.microsoft.com/office/drawing/2014/main" id="{01A8A760-F0C2-6535-D64A-7C9F876D4FBA}"/>
               </a:ext>
             </a:extLst>
           </p:cNvPr>
@@ -580,7 +580,7 @@
           <p:cNvPr id="3" name="竖排文字占位符 2">
             <a:extLst>
               <a:ext uri="{FF2B5EF4-FFF2-40B4-BE49-F238E27FC236}">
-                <a16:creationId xmlns:a16="http://schemas.microsoft.com/office/drawing/2014/main" id="{3C59B091-7521-4B51-6BD1-D180DA7AB76D}"/>
+                <a16:creationId xmlns:a16="http://schemas.microsoft.com/office/drawing/2014/main" id="{E9121D7F-9B9A-EEC1-8364-950827648E4C}"/>
               </a:ext>
             </a:extLst>
           </p:cNvPr>
@@ -642,7 +642,7 @@
           <p:cNvPr id="4" name="日期占位符 3">
             <a:extLst>
               <a:ext uri="{FF2B5EF4-FFF2-40B4-BE49-F238E27FC236}">
-                <a16:creationId xmlns:a16="http://schemas.microsoft.com/office/drawing/2014/main" id="{9EC2E8A3-68E8-6AE7-4CD7-5C06E242C449}"/>
+                <a16:creationId xmlns:a16="http://schemas.microsoft.com/office/drawing/2014/main" id="{480EE83A-9ACD-1688-5BCD-AB279090DF07}"/>
               </a:ext>
             </a:extLst>
           </p:cNvPr>
@@ -658,7 +658,7 @@
           <a:bodyPr/>
           <a:lstStyle/>
           <a:p>
-            <a:fld id="{D9ADECD7-5D6C-4CCB-B79B-68D4FFE59B28}" type="datetimeFigureOut">
+            <a:fld id="{E53AA412-D10E-4748-972A-AB5661C57A5C}" type="datetimeFigureOut">
               <a:rPr lang="zh-CN" altLang="en-US" smtClean="0"/>
               <a:t>2024/3/10</a:t>
             </a:fld>
@@ -671,7 +671,7 @@
           <p:cNvPr id="5" name="页脚占位符 4">
             <a:extLst>
               <a:ext uri="{FF2B5EF4-FFF2-40B4-BE49-F238E27FC236}">
-                <a16:creationId xmlns:a16="http://schemas.microsoft.com/office/drawing/2014/main" id="{E65D7A1F-13A4-0E71-5AD5-F0CDD438E496}"/>
+                <a16:creationId xmlns:a16="http://schemas.microsoft.com/office/drawing/2014/main" id="{C65DBC95-2D1B-CA4D-9407-5703909E175B}"/>
               </a:ext>
             </a:extLst>
           </p:cNvPr>
@@ -696,7 +696,7 @@
           <p:cNvPr id="6" name="灯片编号占位符 5">
             <a:extLst>
               <a:ext uri="{FF2B5EF4-FFF2-40B4-BE49-F238E27FC236}">
-                <a16:creationId xmlns:a16="http://schemas.microsoft.com/office/drawing/2014/main" id="{4B280AC6-C1FF-463D-D802-FE25EDFCEB99}"/>
+                <a16:creationId xmlns:a16="http://schemas.microsoft.com/office/drawing/2014/main" id="{EA22381D-1637-E6AA-FF37-C326C95AAB1E}"/>
               </a:ext>
             </a:extLst>
           </p:cNvPr>
@@ -712,7 +712,7 @@
           <a:bodyPr/>
           <a:lstStyle/>
           <a:p>
-            <a:fld id="{32E3C2CE-12F6-4D0D-AD29-90071F61F80C}" type="slidenum">
+            <a:fld id="{A80FB0F6-1128-4E69-94C1-83BB41615D06}" type="slidenum">
               <a:rPr lang="zh-CN" altLang="en-US" smtClean="0"/>
               <a:t>‹#›</a:t>
             </a:fld>
@@ -723,7 +723,7 @@
     </p:spTree>
     <p:extLst>
       <p:ext uri="{BB962C8B-B14F-4D97-AF65-F5344CB8AC3E}">
-        <p14:creationId xmlns:p14="http://schemas.microsoft.com/office/powerpoint/2010/main" val="714433061"/>
+        <p14:creationId xmlns:p14="http://schemas.microsoft.com/office/powerpoint/2010/main" val="3297970768"/>
       </p:ext>
     </p:extLst>
   </p:cSld>
@@ -755,7 +755,7 @@
           <p:cNvPr id="2" name="标题 1">
             <a:extLst>
               <a:ext uri="{FF2B5EF4-FFF2-40B4-BE49-F238E27FC236}">
-                <a16:creationId xmlns:a16="http://schemas.microsoft.com/office/drawing/2014/main" id="{8506B6BB-796A-482E-C392-39DDB9DEBADD}"/>
+                <a16:creationId xmlns:a16="http://schemas.microsoft.com/office/drawing/2014/main" id="{3EEAF811-1AE7-4E25-F492-169E3198DD64}"/>
               </a:ext>
             </a:extLst>
           </p:cNvPr>
@@ -783,7 +783,7 @@
           <p:cNvPr id="3" name="内容占位符 2">
             <a:extLst>
               <a:ext uri="{FF2B5EF4-FFF2-40B4-BE49-F238E27FC236}">
-                <a16:creationId xmlns:a16="http://schemas.microsoft.com/office/drawing/2014/main" id="{37D0C44A-B5FC-73B3-FFA4-304F307A1A43}"/>
+                <a16:creationId xmlns:a16="http://schemas.microsoft.com/office/drawing/2014/main" id="{A8891F45-8FE3-75CA-32A3-C713EBE6EEE5}"/>
               </a:ext>
             </a:extLst>
           </p:cNvPr>
@@ -840,7 +840,7 @@
           <p:cNvPr id="4" name="日期占位符 3">
             <a:extLst>
               <a:ext uri="{FF2B5EF4-FFF2-40B4-BE49-F238E27FC236}">
-                <a16:creationId xmlns:a16="http://schemas.microsoft.com/office/drawing/2014/main" id="{2CFA691B-B8DE-ECE1-EDA1-AA2E962F1F89}"/>
+                <a16:creationId xmlns:a16="http://schemas.microsoft.com/office/drawing/2014/main" id="{8505D8E8-D304-8411-FE9C-1001E45E3BE6}"/>
               </a:ext>
             </a:extLst>
           </p:cNvPr>
@@ -856,7 +856,7 @@
           <a:bodyPr/>
           <a:lstStyle/>
           <a:p>
-            <a:fld id="{D9ADECD7-5D6C-4CCB-B79B-68D4FFE59B28}" type="datetimeFigureOut">
+            <a:fld id="{E53AA412-D10E-4748-972A-AB5661C57A5C}" type="datetimeFigureOut">
               <a:rPr lang="zh-CN" altLang="en-US" smtClean="0"/>
               <a:t>2024/3/10</a:t>
             </a:fld>
@@ -869,7 +869,7 @@
           <p:cNvPr id="5" name="页脚占位符 4">
             <a:extLst>
               <a:ext uri="{FF2B5EF4-FFF2-40B4-BE49-F238E27FC236}">
-                <a16:creationId xmlns:a16="http://schemas.microsoft.com/office/drawing/2014/main" id="{65D11772-BDB6-C1A8-726E-51EF99C50C15}"/>
+                <a16:creationId xmlns:a16="http://schemas.microsoft.com/office/drawing/2014/main" id="{5FDBC048-9479-EB68-6653-B46D6AA3D574}"/>
               </a:ext>
             </a:extLst>
           </p:cNvPr>
@@ -894,7 +894,7 @@
           <p:cNvPr id="6" name="灯片编号占位符 5">
             <a:extLst>
               <a:ext uri="{FF2B5EF4-FFF2-40B4-BE49-F238E27FC236}">
-                <a16:creationId xmlns:a16="http://schemas.microsoft.com/office/drawing/2014/main" id="{4E60903A-56F7-0BC7-A83E-C57EAAD05497}"/>
+                <a16:creationId xmlns:a16="http://schemas.microsoft.com/office/drawing/2014/main" id="{E4F1B9CA-302E-D417-E6D6-F3360617B619}"/>
               </a:ext>
             </a:extLst>
           </p:cNvPr>
@@ -910,7 +910,7 @@
           <a:bodyPr/>
           <a:lstStyle/>
           <a:p>
-            <a:fld id="{32E3C2CE-12F6-4D0D-AD29-90071F61F80C}" type="slidenum">
+            <a:fld id="{A80FB0F6-1128-4E69-94C1-83BB41615D06}" type="slidenum">
               <a:rPr lang="zh-CN" altLang="en-US" smtClean="0"/>
               <a:t>‹#›</a:t>
             </a:fld>
@@ -921,7 +921,7 @@
     </p:spTree>
     <p:extLst>
       <p:ext uri="{BB962C8B-B14F-4D97-AF65-F5344CB8AC3E}">
-        <p14:creationId xmlns:p14="http://schemas.microsoft.com/office/powerpoint/2010/main" val="1222665867"/>
+        <p14:creationId xmlns:p14="http://schemas.microsoft.com/office/powerpoint/2010/main" val="1014000844"/>
       </p:ext>
     </p:extLst>
   </p:cSld>
@@ -953,7 +953,7 @@
           <p:cNvPr id="2" name="标题 1">
             <a:extLst>
               <a:ext uri="{FF2B5EF4-FFF2-40B4-BE49-F238E27FC236}">
-                <a16:creationId xmlns:a16="http://schemas.microsoft.com/office/drawing/2014/main" id="{F6F7400C-6489-ECB7-5AC9-ED5321FD401A}"/>
+                <a16:creationId xmlns:a16="http://schemas.microsoft.com/office/drawing/2014/main" id="{C0D4EF5F-1E7C-9853-ED0D-371B60750EF6}"/>
               </a:ext>
             </a:extLst>
           </p:cNvPr>
@@ -990,7 +990,7 @@
           <p:cNvPr id="3" name="文本占位符 2">
             <a:extLst>
               <a:ext uri="{FF2B5EF4-FFF2-40B4-BE49-F238E27FC236}">
-                <a16:creationId xmlns:a16="http://schemas.microsoft.com/office/drawing/2014/main" id="{FAE45149-B3EF-D756-D160-2414AAF5AE9A}"/>
+                <a16:creationId xmlns:a16="http://schemas.microsoft.com/office/drawing/2014/main" id="{4A509F8D-EAF8-1115-ECE2-2D93E6A68B2B}"/>
               </a:ext>
             </a:extLst>
           </p:cNvPr>
@@ -1115,7 +1115,7 @@
           <p:cNvPr id="4" name="日期占位符 3">
             <a:extLst>
               <a:ext uri="{FF2B5EF4-FFF2-40B4-BE49-F238E27FC236}">
-                <a16:creationId xmlns:a16="http://schemas.microsoft.com/office/drawing/2014/main" id="{1B61F640-426E-99FC-8D1E-F13F85999A7B}"/>
+                <a16:creationId xmlns:a16="http://schemas.microsoft.com/office/drawing/2014/main" id="{2949BF78-4FD9-C521-B1D1-0B7D84E15927}"/>
               </a:ext>
             </a:extLst>
           </p:cNvPr>
@@ -1131,7 +1131,7 @@
           <a:bodyPr/>
           <a:lstStyle/>
           <a:p>
-            <a:fld id="{D9ADECD7-5D6C-4CCB-B79B-68D4FFE59B28}" type="datetimeFigureOut">
+            <a:fld id="{E53AA412-D10E-4748-972A-AB5661C57A5C}" type="datetimeFigureOut">
               <a:rPr lang="zh-CN" altLang="en-US" smtClean="0"/>
               <a:t>2024/3/10</a:t>
             </a:fld>
@@ -1144,7 +1144,7 @@
           <p:cNvPr id="5" name="页脚占位符 4">
             <a:extLst>
               <a:ext uri="{FF2B5EF4-FFF2-40B4-BE49-F238E27FC236}">
-                <a16:creationId xmlns:a16="http://schemas.microsoft.com/office/drawing/2014/main" id="{C9611140-4851-758C-2589-835F864DE121}"/>
+                <a16:creationId xmlns:a16="http://schemas.microsoft.com/office/drawing/2014/main" id="{23E963EB-6A25-EE1A-98A6-D0EE176DA19A}"/>
               </a:ext>
             </a:extLst>
           </p:cNvPr>
@@ -1169,7 +1169,7 @@
           <p:cNvPr id="6" name="灯片编号占位符 5">
             <a:extLst>
               <a:ext uri="{FF2B5EF4-FFF2-40B4-BE49-F238E27FC236}">
-                <a16:creationId xmlns:a16="http://schemas.microsoft.com/office/drawing/2014/main" id="{E78BB46D-3DAC-B361-4219-F775E0199EE3}"/>
+                <a16:creationId xmlns:a16="http://schemas.microsoft.com/office/drawing/2014/main" id="{0711AA6C-7A24-EBE1-E157-FB8DFF13F116}"/>
               </a:ext>
             </a:extLst>
           </p:cNvPr>
@@ -1185,7 +1185,7 @@
           <a:bodyPr/>
           <a:lstStyle/>
           <a:p>
-            <a:fld id="{32E3C2CE-12F6-4D0D-AD29-90071F61F80C}" type="slidenum">
+            <a:fld id="{A80FB0F6-1128-4E69-94C1-83BB41615D06}" type="slidenum">
               <a:rPr lang="zh-CN" altLang="en-US" smtClean="0"/>
               <a:t>‹#›</a:t>
             </a:fld>
@@ -1196,7 +1196,7 @@
     </p:spTree>
     <p:extLst>
       <p:ext uri="{BB962C8B-B14F-4D97-AF65-F5344CB8AC3E}">
-        <p14:creationId xmlns:p14="http://schemas.microsoft.com/office/powerpoint/2010/main" val="2789119794"/>
+        <p14:creationId xmlns:p14="http://schemas.microsoft.com/office/powerpoint/2010/main" val="3498020779"/>
       </p:ext>
     </p:extLst>
   </p:cSld>
@@ -1228,7 +1228,7 @@
           <p:cNvPr id="2" name="标题 1">
             <a:extLst>
               <a:ext uri="{FF2B5EF4-FFF2-40B4-BE49-F238E27FC236}">
-                <a16:creationId xmlns:a16="http://schemas.microsoft.com/office/drawing/2014/main" id="{115A391F-78D0-9CDE-C7F6-A8534ACDE5E0}"/>
+                <a16:creationId xmlns:a16="http://schemas.microsoft.com/office/drawing/2014/main" id="{9E5C86BF-0F8D-D19B-45C2-0EC4C99157C8}"/>
               </a:ext>
             </a:extLst>
           </p:cNvPr>
@@ -1256,7 +1256,7 @@
           <p:cNvPr id="3" name="内容占位符 2">
             <a:extLst>
               <a:ext uri="{FF2B5EF4-FFF2-40B4-BE49-F238E27FC236}">
-                <a16:creationId xmlns:a16="http://schemas.microsoft.com/office/drawing/2014/main" id="{AF681E86-A73F-A15B-AE2E-826D3C316E9D}"/>
+                <a16:creationId xmlns:a16="http://schemas.microsoft.com/office/drawing/2014/main" id="{BD97D916-6457-D02A-E816-479B124F84D5}"/>
               </a:ext>
             </a:extLst>
           </p:cNvPr>
@@ -1318,7 +1318,7 @@
           <p:cNvPr id="4" name="内容占位符 3">
             <a:extLst>
               <a:ext uri="{FF2B5EF4-FFF2-40B4-BE49-F238E27FC236}">
-                <a16:creationId xmlns:a16="http://schemas.microsoft.com/office/drawing/2014/main" id="{3B5C9984-65BA-00C7-ED5D-610A7463EFF7}"/>
+                <a16:creationId xmlns:a16="http://schemas.microsoft.com/office/drawing/2014/main" id="{D0B21F16-1768-00AD-20D8-BB4A492BA971}"/>
               </a:ext>
             </a:extLst>
           </p:cNvPr>
@@ -1380,7 +1380,7 @@
           <p:cNvPr id="5" name="日期占位符 4">
             <a:extLst>
               <a:ext uri="{FF2B5EF4-FFF2-40B4-BE49-F238E27FC236}">
-                <a16:creationId xmlns:a16="http://schemas.microsoft.com/office/drawing/2014/main" id="{64A14AFA-C0BC-6579-6E89-569E1374AD40}"/>
+                <a16:creationId xmlns:a16="http://schemas.microsoft.com/office/drawing/2014/main" id="{CB991324-F0D2-1B9E-090B-4D2C22F662D3}"/>
               </a:ext>
             </a:extLst>
           </p:cNvPr>
@@ -1396,7 +1396,7 @@
           <a:bodyPr/>
           <a:lstStyle/>
           <a:p>
-            <a:fld id="{D9ADECD7-5D6C-4CCB-B79B-68D4FFE59B28}" type="datetimeFigureOut">
+            <a:fld id="{E53AA412-D10E-4748-972A-AB5661C57A5C}" type="datetimeFigureOut">
               <a:rPr lang="zh-CN" altLang="en-US" smtClean="0"/>
               <a:t>2024/3/10</a:t>
             </a:fld>
@@ -1409,7 +1409,7 @@
           <p:cNvPr id="6" name="页脚占位符 5">
             <a:extLst>
               <a:ext uri="{FF2B5EF4-FFF2-40B4-BE49-F238E27FC236}">
-                <a16:creationId xmlns:a16="http://schemas.microsoft.com/office/drawing/2014/main" id="{7B5A7C90-2B08-5EBD-DCD8-F9455BD8E726}"/>
+                <a16:creationId xmlns:a16="http://schemas.microsoft.com/office/drawing/2014/main" id="{E6239711-2313-B3FB-D6B2-39DD71A9223F}"/>
               </a:ext>
             </a:extLst>
           </p:cNvPr>
@@ -1434,7 +1434,7 @@
           <p:cNvPr id="7" name="灯片编号占位符 6">
             <a:extLst>
               <a:ext uri="{FF2B5EF4-FFF2-40B4-BE49-F238E27FC236}">
-                <a16:creationId xmlns:a16="http://schemas.microsoft.com/office/drawing/2014/main" id="{07F36C00-A047-6E7C-15BB-8E20BF10E4D4}"/>
+                <a16:creationId xmlns:a16="http://schemas.microsoft.com/office/drawing/2014/main" id="{5415FD49-7004-77AE-FD0A-F536D6361B14}"/>
               </a:ext>
             </a:extLst>
           </p:cNvPr>
@@ -1450,7 +1450,7 @@
           <a:bodyPr/>
           <a:lstStyle/>
           <a:p>
-            <a:fld id="{32E3C2CE-12F6-4D0D-AD29-90071F61F80C}" type="slidenum">
+            <a:fld id="{A80FB0F6-1128-4E69-94C1-83BB41615D06}" type="slidenum">
               <a:rPr lang="zh-CN" altLang="en-US" smtClean="0"/>
               <a:t>‹#›</a:t>
             </a:fld>
@@ -1461,7 +1461,7 @@
     </p:spTree>
     <p:extLst>
       <p:ext uri="{BB962C8B-B14F-4D97-AF65-F5344CB8AC3E}">
-        <p14:creationId xmlns:p14="http://schemas.microsoft.com/office/powerpoint/2010/main" val="2872720043"/>
+        <p14:creationId xmlns:p14="http://schemas.microsoft.com/office/powerpoint/2010/main" val="4005553718"/>
       </p:ext>
     </p:extLst>
   </p:cSld>
@@ -1493,7 +1493,7 @@
           <p:cNvPr id="2" name="标题 1">
             <a:extLst>
               <a:ext uri="{FF2B5EF4-FFF2-40B4-BE49-F238E27FC236}">
-                <a16:creationId xmlns:a16="http://schemas.microsoft.com/office/drawing/2014/main" id="{43C5AD0F-8514-6E62-EB09-2F43A9198783}"/>
+                <a16:creationId xmlns:a16="http://schemas.microsoft.com/office/drawing/2014/main" id="{37D1CE45-17BB-A669-D877-38E3AC8464B6}"/>
               </a:ext>
             </a:extLst>
           </p:cNvPr>
@@ -1526,7 +1526,7 @@
           <p:cNvPr id="3" name="文本占位符 2">
             <a:extLst>
               <a:ext uri="{FF2B5EF4-FFF2-40B4-BE49-F238E27FC236}">
-                <a16:creationId xmlns:a16="http://schemas.microsoft.com/office/drawing/2014/main" id="{1E407CDA-B253-FF12-E9A3-7B895E5DCCF4}"/>
+                <a16:creationId xmlns:a16="http://schemas.microsoft.com/office/drawing/2014/main" id="{47C26111-1F91-9419-19C6-09FE0175F5C7}"/>
               </a:ext>
             </a:extLst>
           </p:cNvPr>
@@ -1597,7 +1597,7 @@
           <p:cNvPr id="4" name="内容占位符 3">
             <a:extLst>
               <a:ext uri="{FF2B5EF4-FFF2-40B4-BE49-F238E27FC236}">
-                <a16:creationId xmlns:a16="http://schemas.microsoft.com/office/drawing/2014/main" id="{8B7BC324-7AA7-9C5A-2BCC-3844CA115CC3}"/>
+                <a16:creationId xmlns:a16="http://schemas.microsoft.com/office/drawing/2014/main" id="{B79810C6-CE77-AA5D-2CC5-BF7EBC680D3E}"/>
               </a:ext>
             </a:extLst>
           </p:cNvPr>
@@ -1659,7 +1659,7 @@
           <p:cNvPr id="5" name="文本占位符 4">
             <a:extLst>
               <a:ext uri="{FF2B5EF4-FFF2-40B4-BE49-F238E27FC236}">
-                <a16:creationId xmlns:a16="http://schemas.microsoft.com/office/drawing/2014/main" id="{0DA67232-DD3C-9159-4AFE-858BC3964AE9}"/>
+                <a16:creationId xmlns:a16="http://schemas.microsoft.com/office/drawing/2014/main" id="{CEF88563-6668-8A35-82B6-AB6401720339}"/>
               </a:ext>
             </a:extLst>
           </p:cNvPr>
@@ -1730,7 +1730,7 @@
           <p:cNvPr id="6" name="内容占位符 5">
             <a:extLst>
               <a:ext uri="{FF2B5EF4-FFF2-40B4-BE49-F238E27FC236}">
-                <a16:creationId xmlns:a16="http://schemas.microsoft.com/office/drawing/2014/main" id="{2582FA62-B14F-92A4-35B8-570351256921}"/>
+                <a16:creationId xmlns:a16="http://schemas.microsoft.com/office/drawing/2014/main" id="{8C14B117-760E-E522-0DDB-818DD36B1367}"/>
               </a:ext>
             </a:extLst>
           </p:cNvPr>
@@ -1792,7 +1792,7 @@
           <p:cNvPr id="7" name="日期占位符 6">
             <a:extLst>
               <a:ext uri="{FF2B5EF4-FFF2-40B4-BE49-F238E27FC236}">
-                <a16:creationId xmlns:a16="http://schemas.microsoft.com/office/drawing/2014/main" id="{33F6F86A-EC2D-B212-62E9-CA81D46A6B17}"/>
+                <a16:creationId xmlns:a16="http://schemas.microsoft.com/office/drawing/2014/main" id="{66BEE12A-403D-AA30-D8D6-DC0EC57A12BF}"/>
               </a:ext>
             </a:extLst>
           </p:cNvPr>
@@ -1808,7 +1808,7 @@
           <a:bodyPr/>
           <a:lstStyle/>
           <a:p>
-            <a:fld id="{D9ADECD7-5D6C-4CCB-B79B-68D4FFE59B28}" type="datetimeFigureOut">
+            <a:fld id="{E53AA412-D10E-4748-972A-AB5661C57A5C}" type="datetimeFigureOut">
               <a:rPr lang="zh-CN" altLang="en-US" smtClean="0"/>
               <a:t>2024/3/10</a:t>
             </a:fld>
@@ -1821,7 +1821,7 @@
           <p:cNvPr id="8" name="页脚占位符 7">
             <a:extLst>
               <a:ext uri="{FF2B5EF4-FFF2-40B4-BE49-F238E27FC236}">
-                <a16:creationId xmlns:a16="http://schemas.microsoft.com/office/drawing/2014/main" id="{70B0472D-3244-FE04-E95E-6EA9413F6E79}"/>
+                <a16:creationId xmlns:a16="http://schemas.microsoft.com/office/drawing/2014/main" id="{F4CA05ED-B89A-467B-B6C3-BCFA2A0FB666}"/>
               </a:ext>
             </a:extLst>
           </p:cNvPr>
@@ -1846,7 +1846,7 @@
           <p:cNvPr id="9" name="灯片编号占位符 8">
             <a:extLst>
               <a:ext uri="{FF2B5EF4-FFF2-40B4-BE49-F238E27FC236}">
-                <a16:creationId xmlns:a16="http://schemas.microsoft.com/office/drawing/2014/main" id="{09A93256-269A-1DB8-87D5-CE08F0367768}"/>
+                <a16:creationId xmlns:a16="http://schemas.microsoft.com/office/drawing/2014/main" id="{39FEFE60-2882-3286-BB71-FDC0CCD081DB}"/>
               </a:ext>
             </a:extLst>
           </p:cNvPr>
@@ -1862,7 +1862,7 @@
           <a:bodyPr/>
           <a:lstStyle/>
           <a:p>
-            <a:fld id="{32E3C2CE-12F6-4D0D-AD29-90071F61F80C}" type="slidenum">
+            <a:fld id="{A80FB0F6-1128-4E69-94C1-83BB41615D06}" type="slidenum">
               <a:rPr lang="zh-CN" altLang="en-US" smtClean="0"/>
               <a:t>‹#›</a:t>
             </a:fld>
@@ -1873,7 +1873,7 @@
     </p:spTree>
     <p:extLst>
       <p:ext uri="{BB962C8B-B14F-4D97-AF65-F5344CB8AC3E}">
-        <p14:creationId xmlns:p14="http://schemas.microsoft.com/office/powerpoint/2010/main" val="2822765089"/>
+        <p14:creationId xmlns:p14="http://schemas.microsoft.com/office/powerpoint/2010/main" val="154481894"/>
       </p:ext>
     </p:extLst>
   </p:cSld>
@@ -1905,7 +1905,7 @@
           <p:cNvPr id="2" name="标题 1">
             <a:extLst>
               <a:ext uri="{FF2B5EF4-FFF2-40B4-BE49-F238E27FC236}">
-                <a16:creationId xmlns:a16="http://schemas.microsoft.com/office/drawing/2014/main" id="{1B3585B3-B252-C2F8-426A-C5BA4A554846}"/>
+                <a16:creationId xmlns:a16="http://schemas.microsoft.com/office/drawing/2014/main" id="{404D4A72-0F48-8DF4-DD02-7A524D45684F}"/>
               </a:ext>
             </a:extLst>
           </p:cNvPr>
@@ -1933,7 +1933,7 @@
           <p:cNvPr id="3" name="日期占位符 2">
             <a:extLst>
               <a:ext uri="{FF2B5EF4-FFF2-40B4-BE49-F238E27FC236}">
-                <a16:creationId xmlns:a16="http://schemas.microsoft.com/office/drawing/2014/main" id="{F4BCFB84-E576-F45E-368D-AC13E803920B}"/>
+                <a16:creationId xmlns:a16="http://schemas.microsoft.com/office/drawing/2014/main" id="{6F6DFB0D-8FA7-0A18-C254-BDAD09E9FD23}"/>
               </a:ext>
             </a:extLst>
           </p:cNvPr>
@@ -1949,7 +1949,7 @@
           <a:bodyPr/>
           <a:lstStyle/>
           <a:p>
-            <a:fld id="{D9ADECD7-5D6C-4CCB-B79B-68D4FFE59B28}" type="datetimeFigureOut">
+            <a:fld id="{E53AA412-D10E-4748-972A-AB5661C57A5C}" type="datetimeFigureOut">
               <a:rPr lang="zh-CN" altLang="en-US" smtClean="0"/>
               <a:t>2024/3/10</a:t>
             </a:fld>
@@ -1962,7 +1962,7 @@
           <p:cNvPr id="4" name="页脚占位符 3">
             <a:extLst>
               <a:ext uri="{FF2B5EF4-FFF2-40B4-BE49-F238E27FC236}">
-                <a16:creationId xmlns:a16="http://schemas.microsoft.com/office/drawing/2014/main" id="{161F5408-7563-3712-A8C6-EDBDDD127F6D}"/>
+                <a16:creationId xmlns:a16="http://schemas.microsoft.com/office/drawing/2014/main" id="{D0661C80-3C8E-8601-36E0-3251AF0EF3C0}"/>
               </a:ext>
             </a:extLst>
           </p:cNvPr>
@@ -1987,7 +1987,7 @@
           <p:cNvPr id="5" name="灯片编号占位符 4">
             <a:extLst>
               <a:ext uri="{FF2B5EF4-FFF2-40B4-BE49-F238E27FC236}">
-                <a16:creationId xmlns:a16="http://schemas.microsoft.com/office/drawing/2014/main" id="{2DC65CD1-4BFD-A41C-1128-1597AC1DF45F}"/>
+                <a16:creationId xmlns:a16="http://schemas.microsoft.com/office/drawing/2014/main" id="{FB622ECA-9B75-A2AA-CB08-785DE99264D8}"/>
               </a:ext>
             </a:extLst>
           </p:cNvPr>
@@ -2003,7 +2003,7 @@
           <a:bodyPr/>
           <a:lstStyle/>
           <a:p>
-            <a:fld id="{32E3C2CE-12F6-4D0D-AD29-90071F61F80C}" type="slidenum">
+            <a:fld id="{A80FB0F6-1128-4E69-94C1-83BB41615D06}" type="slidenum">
               <a:rPr lang="zh-CN" altLang="en-US" smtClean="0"/>
               <a:t>‹#›</a:t>
             </a:fld>
@@ -2014,7 +2014,7 @@
     </p:spTree>
     <p:extLst>
       <p:ext uri="{BB962C8B-B14F-4D97-AF65-F5344CB8AC3E}">
-        <p14:creationId xmlns:p14="http://schemas.microsoft.com/office/powerpoint/2010/main" val="174035494"/>
+        <p14:creationId xmlns:p14="http://schemas.microsoft.com/office/powerpoint/2010/main" val="2958823534"/>
       </p:ext>
     </p:extLst>
   </p:cSld>
@@ -2046,7 +2046,7 @@
           <p:cNvPr id="2" name="日期占位符 1">
             <a:extLst>
               <a:ext uri="{FF2B5EF4-FFF2-40B4-BE49-F238E27FC236}">
-                <a16:creationId xmlns:a16="http://schemas.microsoft.com/office/drawing/2014/main" id="{7B852A60-C904-6DEE-951C-ED080B6672A4}"/>
+                <a16:creationId xmlns:a16="http://schemas.microsoft.com/office/drawing/2014/main" id="{9E6DD43B-BF73-3940-80B0-3EFE0863CDFC}"/>
               </a:ext>
             </a:extLst>
           </p:cNvPr>
@@ -2062,7 +2062,7 @@
           <a:bodyPr/>
           <a:lstStyle/>
           <a:p>
-            <a:fld id="{D9ADECD7-5D6C-4CCB-B79B-68D4FFE59B28}" type="datetimeFigureOut">
+            <a:fld id="{E53AA412-D10E-4748-972A-AB5661C57A5C}" type="datetimeFigureOut">
               <a:rPr lang="zh-CN" altLang="en-US" smtClean="0"/>
               <a:t>2024/3/10</a:t>
             </a:fld>
@@ -2075,7 +2075,7 @@
           <p:cNvPr id="3" name="页脚占位符 2">
             <a:extLst>
               <a:ext uri="{FF2B5EF4-FFF2-40B4-BE49-F238E27FC236}">
-                <a16:creationId xmlns:a16="http://schemas.microsoft.com/office/drawing/2014/main" id="{C0B05CCA-07B5-947B-954C-AA31ED5E70FD}"/>
+                <a16:creationId xmlns:a16="http://schemas.microsoft.com/office/drawing/2014/main" id="{2681DF16-CD1D-973D-5DDD-80FA9B1DF5A1}"/>
               </a:ext>
             </a:extLst>
           </p:cNvPr>
@@ -2100,7 +2100,7 @@
           <p:cNvPr id="4" name="灯片编号占位符 3">
             <a:extLst>
               <a:ext uri="{FF2B5EF4-FFF2-40B4-BE49-F238E27FC236}">
-                <a16:creationId xmlns:a16="http://schemas.microsoft.com/office/drawing/2014/main" id="{EFB57C9B-F128-8EA1-8BF0-C0198DDA2CCC}"/>
+                <a16:creationId xmlns:a16="http://schemas.microsoft.com/office/drawing/2014/main" id="{625BADC7-F48E-FEE6-02FC-520EFDA2B63A}"/>
               </a:ext>
             </a:extLst>
           </p:cNvPr>
@@ -2116,7 +2116,7 @@
           <a:bodyPr/>
           <a:lstStyle/>
           <a:p>
-            <a:fld id="{32E3C2CE-12F6-4D0D-AD29-90071F61F80C}" type="slidenum">
+            <a:fld id="{A80FB0F6-1128-4E69-94C1-83BB41615D06}" type="slidenum">
               <a:rPr lang="zh-CN" altLang="en-US" smtClean="0"/>
               <a:t>‹#›</a:t>
             </a:fld>
@@ -2127,7 +2127,7 @@
     </p:spTree>
     <p:extLst>
       <p:ext uri="{BB962C8B-B14F-4D97-AF65-F5344CB8AC3E}">
-        <p14:creationId xmlns:p14="http://schemas.microsoft.com/office/powerpoint/2010/main" val="2296806162"/>
+        <p14:creationId xmlns:p14="http://schemas.microsoft.com/office/powerpoint/2010/main" val="1438199546"/>
       </p:ext>
     </p:extLst>
   </p:cSld>
@@ -2159,7 +2159,7 @@
           <p:cNvPr id="2" name="标题 1">
             <a:extLst>
               <a:ext uri="{FF2B5EF4-FFF2-40B4-BE49-F238E27FC236}">
-                <a16:creationId xmlns:a16="http://schemas.microsoft.com/office/drawing/2014/main" id="{DFD8F21F-DCF7-250A-4032-E95E15F00D86}"/>
+                <a16:creationId xmlns:a16="http://schemas.microsoft.com/office/drawing/2014/main" id="{91E87C1B-87CB-66B9-F45F-E5140295AEE4}"/>
               </a:ext>
             </a:extLst>
           </p:cNvPr>
@@ -2196,7 +2196,7 @@
           <p:cNvPr id="3" name="内容占位符 2">
             <a:extLst>
               <a:ext uri="{FF2B5EF4-FFF2-40B4-BE49-F238E27FC236}">
-                <a16:creationId xmlns:a16="http://schemas.microsoft.com/office/drawing/2014/main" id="{A8065AB5-90DC-65E7-2E29-AB2FCCD62BE0}"/>
+                <a16:creationId xmlns:a16="http://schemas.microsoft.com/office/drawing/2014/main" id="{2863C5CC-B6F6-E0EB-6BB6-EEF9FD694143}"/>
               </a:ext>
             </a:extLst>
           </p:cNvPr>
@@ -2286,7 +2286,7 @@
           <p:cNvPr id="4" name="文本占位符 3">
             <a:extLst>
               <a:ext uri="{FF2B5EF4-FFF2-40B4-BE49-F238E27FC236}">
-                <a16:creationId xmlns:a16="http://schemas.microsoft.com/office/drawing/2014/main" id="{1719926E-D5BA-AC54-8A49-5233DD910EEE}"/>
+                <a16:creationId xmlns:a16="http://schemas.microsoft.com/office/drawing/2014/main" id="{F1EAB514-A1B7-B783-AAE1-108289BB7810}"/>
               </a:ext>
             </a:extLst>
           </p:cNvPr>
@@ -2357,7 +2357,7 @@
           <p:cNvPr id="5" name="日期占位符 4">
             <a:extLst>
               <a:ext uri="{FF2B5EF4-FFF2-40B4-BE49-F238E27FC236}">
-                <a16:creationId xmlns:a16="http://schemas.microsoft.com/office/drawing/2014/main" id="{74CAFA09-AEDB-E9B8-A379-F76BFEC0E4E2}"/>
+                <a16:creationId xmlns:a16="http://schemas.microsoft.com/office/drawing/2014/main" id="{39B86334-AC6F-C8CD-CF5B-8A72D51009C9}"/>
               </a:ext>
             </a:extLst>
           </p:cNvPr>
@@ -2373,7 +2373,7 @@
           <a:bodyPr/>
           <a:lstStyle/>
           <a:p>
-            <a:fld id="{D9ADECD7-5D6C-4CCB-B79B-68D4FFE59B28}" type="datetimeFigureOut">
+            <a:fld id="{E53AA412-D10E-4748-972A-AB5661C57A5C}" type="datetimeFigureOut">
               <a:rPr lang="zh-CN" altLang="en-US" smtClean="0"/>
               <a:t>2024/3/10</a:t>
             </a:fld>
@@ -2386,7 +2386,7 @@
           <p:cNvPr id="6" name="页脚占位符 5">
             <a:extLst>
               <a:ext uri="{FF2B5EF4-FFF2-40B4-BE49-F238E27FC236}">
-                <a16:creationId xmlns:a16="http://schemas.microsoft.com/office/drawing/2014/main" id="{9F439BFF-8BD5-8646-22A2-7D1C72EFEE89}"/>
+                <a16:creationId xmlns:a16="http://schemas.microsoft.com/office/drawing/2014/main" id="{014E0559-B983-6407-0BA5-894ECAB04628}"/>
               </a:ext>
             </a:extLst>
           </p:cNvPr>
@@ -2411,7 +2411,7 @@
           <p:cNvPr id="7" name="灯片编号占位符 6">
             <a:extLst>
               <a:ext uri="{FF2B5EF4-FFF2-40B4-BE49-F238E27FC236}">
-                <a16:creationId xmlns:a16="http://schemas.microsoft.com/office/drawing/2014/main" id="{FA6C7D32-6BA3-FE6A-B82E-BEFD8D5ECB8F}"/>
+                <a16:creationId xmlns:a16="http://schemas.microsoft.com/office/drawing/2014/main" id="{E968112A-85EE-2D65-3CD8-A6CCC02BC149}"/>
               </a:ext>
             </a:extLst>
           </p:cNvPr>
@@ -2427,7 +2427,7 @@
           <a:bodyPr/>
           <a:lstStyle/>
           <a:p>
-            <a:fld id="{32E3C2CE-12F6-4D0D-AD29-90071F61F80C}" type="slidenum">
+            <a:fld id="{A80FB0F6-1128-4E69-94C1-83BB41615D06}" type="slidenum">
               <a:rPr lang="zh-CN" altLang="en-US" smtClean="0"/>
               <a:t>‹#›</a:t>
             </a:fld>
@@ -2438,7 +2438,7 @@
     </p:spTree>
     <p:extLst>
       <p:ext uri="{BB962C8B-B14F-4D97-AF65-F5344CB8AC3E}">
-        <p14:creationId xmlns:p14="http://schemas.microsoft.com/office/powerpoint/2010/main" val="2577691972"/>
+        <p14:creationId xmlns:p14="http://schemas.microsoft.com/office/powerpoint/2010/main" val="60248360"/>
       </p:ext>
     </p:extLst>
   </p:cSld>
@@ -2470,7 +2470,7 @@
           <p:cNvPr id="2" name="标题 1">
             <a:extLst>
               <a:ext uri="{FF2B5EF4-FFF2-40B4-BE49-F238E27FC236}">
-                <a16:creationId xmlns:a16="http://schemas.microsoft.com/office/drawing/2014/main" id="{C9C0D264-26AC-E05D-F6BD-79D8439F653C}"/>
+                <a16:creationId xmlns:a16="http://schemas.microsoft.com/office/drawing/2014/main" id="{0DF26EA6-BE5B-AE8D-F766-C9AE782500FB}"/>
               </a:ext>
             </a:extLst>
           </p:cNvPr>
@@ -2507,7 +2507,7 @@
           <p:cNvPr id="3" name="图片占位符 2">
             <a:extLst>
               <a:ext uri="{FF2B5EF4-FFF2-40B4-BE49-F238E27FC236}">
-                <a16:creationId xmlns:a16="http://schemas.microsoft.com/office/drawing/2014/main" id="{FCCB66F2-6AD1-1E56-3501-1CE7CEDD51CF}"/>
+                <a16:creationId xmlns:a16="http://schemas.microsoft.com/office/drawing/2014/main" id="{9336EB8E-66D9-D5BD-B106-DAA2B64F8B88}"/>
               </a:ext>
             </a:extLst>
           </p:cNvPr>
@@ -2574,7 +2574,7 @@
           <p:cNvPr id="4" name="文本占位符 3">
             <a:extLst>
               <a:ext uri="{FF2B5EF4-FFF2-40B4-BE49-F238E27FC236}">
-                <a16:creationId xmlns:a16="http://schemas.microsoft.com/office/drawing/2014/main" id="{E966F8D0-CD12-AA17-0F2D-D63440673ED7}"/>
+                <a16:creationId xmlns:a16="http://schemas.microsoft.com/office/drawing/2014/main" id="{70AC9625-969F-5DE9-7863-6BAF59A01689}"/>
               </a:ext>
             </a:extLst>
           </p:cNvPr>
@@ -2645,7 +2645,7 @@
           <p:cNvPr id="5" name="日期占位符 4">
             <a:extLst>
               <a:ext uri="{FF2B5EF4-FFF2-40B4-BE49-F238E27FC236}">
-                <a16:creationId xmlns:a16="http://schemas.microsoft.com/office/drawing/2014/main" id="{B6AADEB6-A674-C92B-8E75-F8F687E4DBB5}"/>
+                <a16:creationId xmlns:a16="http://schemas.microsoft.com/office/drawing/2014/main" id="{A7A17DF8-D46D-C948-B130-ADEC753A5657}"/>
               </a:ext>
             </a:extLst>
           </p:cNvPr>
@@ -2661,7 +2661,7 @@
           <a:bodyPr/>
           <a:lstStyle/>
           <a:p>
-            <a:fld id="{D9ADECD7-5D6C-4CCB-B79B-68D4FFE59B28}" type="datetimeFigureOut">
+            <a:fld id="{E53AA412-D10E-4748-972A-AB5661C57A5C}" type="datetimeFigureOut">
               <a:rPr lang="zh-CN" altLang="en-US" smtClean="0"/>
               <a:t>2024/3/10</a:t>
             </a:fld>
@@ -2674,7 +2674,7 @@
           <p:cNvPr id="6" name="页脚占位符 5">
             <a:extLst>
               <a:ext uri="{FF2B5EF4-FFF2-40B4-BE49-F238E27FC236}">
-                <a16:creationId xmlns:a16="http://schemas.microsoft.com/office/drawing/2014/main" id="{964540BE-D03E-E2BD-9018-F08695C24DA6}"/>
+                <a16:creationId xmlns:a16="http://schemas.microsoft.com/office/drawing/2014/main" id="{DA1DC13F-4425-654C-CB0F-C27BEA3EC635}"/>
               </a:ext>
             </a:extLst>
           </p:cNvPr>
@@ -2699,7 +2699,7 @@
           <p:cNvPr id="7" name="灯片编号占位符 6">
             <a:extLst>
               <a:ext uri="{FF2B5EF4-FFF2-40B4-BE49-F238E27FC236}">
-                <a16:creationId xmlns:a16="http://schemas.microsoft.com/office/drawing/2014/main" id="{F151106C-C0EE-295F-6DE4-195F875253D7}"/>
+                <a16:creationId xmlns:a16="http://schemas.microsoft.com/office/drawing/2014/main" id="{F50D6C64-2ED1-2064-08F8-32D3FA645949}"/>
               </a:ext>
             </a:extLst>
           </p:cNvPr>
@@ -2715,7 +2715,7 @@
           <a:bodyPr/>
           <a:lstStyle/>
           <a:p>
-            <a:fld id="{32E3C2CE-12F6-4D0D-AD29-90071F61F80C}" type="slidenum">
+            <a:fld id="{A80FB0F6-1128-4E69-94C1-83BB41615D06}" type="slidenum">
               <a:rPr lang="zh-CN" altLang="en-US" smtClean="0"/>
               <a:t>‹#›</a:t>
             </a:fld>
@@ -2726,7 +2726,7 @@
     </p:spTree>
     <p:extLst>
       <p:ext uri="{BB962C8B-B14F-4D97-AF65-F5344CB8AC3E}">
-        <p14:creationId xmlns:p14="http://schemas.microsoft.com/office/powerpoint/2010/main" val="4127454723"/>
+        <p14:creationId xmlns:p14="http://schemas.microsoft.com/office/powerpoint/2010/main" val="1794801809"/>
       </p:ext>
     </p:extLst>
   </p:cSld>
@@ -2763,7 +2763,7 @@
           <p:cNvPr id="2" name="标题占位符 1">
             <a:extLst>
               <a:ext uri="{FF2B5EF4-FFF2-40B4-BE49-F238E27FC236}">
-                <a16:creationId xmlns:a16="http://schemas.microsoft.com/office/drawing/2014/main" id="{5FD85828-9FFF-EA1F-1583-64E52B56455C}"/>
+                <a16:creationId xmlns:a16="http://schemas.microsoft.com/office/drawing/2014/main" id="{876C2711-4836-90FD-6688-F7CD857FE1A4}"/>
               </a:ext>
             </a:extLst>
           </p:cNvPr>
@@ -2801,7 +2801,7 @@
           <p:cNvPr id="3" name="文本占位符 2">
             <a:extLst>
               <a:ext uri="{FF2B5EF4-FFF2-40B4-BE49-F238E27FC236}">
-                <a16:creationId xmlns:a16="http://schemas.microsoft.com/office/drawing/2014/main" id="{788910EF-A3F1-A069-14EC-ED9E3751FA6F}"/>
+                <a16:creationId xmlns:a16="http://schemas.microsoft.com/office/drawing/2014/main" id="{23283A0F-2633-7B62-8F95-0F3526525655}"/>
               </a:ext>
             </a:extLst>
           </p:cNvPr>
@@ -2868,7 +2868,7 @@
           <p:cNvPr id="4" name="日期占位符 3">
             <a:extLst>
               <a:ext uri="{FF2B5EF4-FFF2-40B4-BE49-F238E27FC236}">
-                <a16:creationId xmlns:a16="http://schemas.microsoft.com/office/drawing/2014/main" id="{510D124E-9397-AC8E-CCB8-F05A3A4838A3}"/>
+                <a16:creationId xmlns:a16="http://schemas.microsoft.com/office/drawing/2014/main" id="{86AA06E2-1FBF-2586-C8AB-1A2ADC04CFC5}"/>
               </a:ext>
             </a:extLst>
           </p:cNvPr>
@@ -2902,7 +2902,7 @@
             </a:lvl1pPr>
           </a:lstStyle>
           <a:p>
-            <a:fld id="{D9ADECD7-5D6C-4CCB-B79B-68D4FFE59B28}" type="datetimeFigureOut">
+            <a:fld id="{E53AA412-D10E-4748-972A-AB5661C57A5C}" type="datetimeFigureOut">
               <a:rPr lang="zh-CN" altLang="en-US" smtClean="0"/>
               <a:t>2024/3/10</a:t>
             </a:fld>
@@ -2915,7 +2915,7 @@
           <p:cNvPr id="5" name="页脚占位符 4">
             <a:extLst>
               <a:ext uri="{FF2B5EF4-FFF2-40B4-BE49-F238E27FC236}">
-                <a16:creationId xmlns:a16="http://schemas.microsoft.com/office/drawing/2014/main" id="{7F6806AE-8411-954F-9872-6D431BD48156}"/>
+                <a16:creationId xmlns:a16="http://schemas.microsoft.com/office/drawing/2014/main" id="{1BE2D6F5-CAE0-20B4-75B9-B4B1065333E7}"/>
               </a:ext>
             </a:extLst>
           </p:cNvPr>
@@ -2958,7 +2958,7 @@
           <p:cNvPr id="6" name="灯片编号占位符 5">
             <a:extLst>
               <a:ext uri="{FF2B5EF4-FFF2-40B4-BE49-F238E27FC236}">
-                <a16:creationId xmlns:a16="http://schemas.microsoft.com/office/drawing/2014/main" id="{0B979BC4-D326-ECDC-9521-2735730E4D71}"/>
+                <a16:creationId xmlns:a16="http://schemas.microsoft.com/office/drawing/2014/main" id="{88EFFCDA-7F73-78D2-B555-C55A84171967}"/>
               </a:ext>
             </a:extLst>
           </p:cNvPr>
@@ -2992,7 +2992,7 @@
             </a:lvl1pPr>
           </a:lstStyle>
           <a:p>
-            <a:fld id="{32E3C2CE-12F6-4D0D-AD29-90071F61F80C}" type="slidenum">
+            <a:fld id="{A80FB0F6-1128-4E69-94C1-83BB41615D06}" type="slidenum">
               <a:rPr lang="zh-CN" altLang="en-US" smtClean="0"/>
               <a:t>‹#›</a:t>
             </a:fld>
@@ -3003,7 +3003,7 @@
     </p:spTree>
     <p:extLst>
       <p:ext uri="{BB962C8B-B14F-4D97-AF65-F5344CB8AC3E}">
-        <p14:creationId xmlns:p14="http://schemas.microsoft.com/office/powerpoint/2010/main" val="4099552056"/>
+        <p14:creationId xmlns:p14="http://schemas.microsoft.com/office/powerpoint/2010/main" val="3350875531"/>
       </p:ext>
     </p:extLst>
   </p:cSld>
